--- a/project/B2B.pptx
+++ b/project/B2B.pptx
@@ -3718,13 +3718,7 @@
               <a:rPr lang="zh-TW" altLang="en-US" dirty="0" smtClean="0">
                 <a:ea typeface="DFKai-SB" panose="03000509000000000000" pitchFamily="49" charset="-120"/>
               </a:rPr>
-              <a:t> </a:t>
-            </a:r>
-            <a:r>
-              <a:rPr lang="zh-TW" altLang="en-US" dirty="0" smtClean="0">
-                <a:ea typeface="DFKai-SB" panose="03000509000000000000" pitchFamily="49" charset="-120"/>
-              </a:rPr>
-              <a:t>設計</a:t>
+              <a:t> 設計</a:t>
             </a:r>
             <a:endParaRPr lang="en-TW" dirty="0">
               <a:ea typeface="DFKai-SB" panose="03000509000000000000" pitchFamily="49" charset="-120"/>
@@ -3750,107 +3744,170 @@
         </p:nvSpPr>
         <p:spPr>
           <a:xfrm>
-            <a:off x="4332836" y="2887726"/>
-            <a:ext cx="3951908" cy="3420709"/>
+            <a:off x="4315620" y="2764438"/>
+            <a:ext cx="3951908" cy="3772164"/>
           </a:xfrm>
         </p:spPr>
         <p:txBody>
           <a:bodyPr>
-            <a:normAutofit lnSpcReduction="10000"/>
+            <a:normAutofit/>
           </a:bodyPr>
           <a:lstStyle/>
           <a:p>
+            <a:pPr>
+              <a:lnSpc>
+                <a:spcPct val="110000"/>
+              </a:lnSpc>
+            </a:pPr>
+            <a:r>
+              <a:rPr lang="en-US" altLang="zh-TW" sz="2400" dirty="0"/>
+              <a:t>Users</a:t>
+            </a:r>
+          </a:p>
+          <a:p>
+            <a:pPr marL="457200" lvl="1" indent="0">
+              <a:lnSpc>
+                <a:spcPct val="110000"/>
+              </a:lnSpc>
+              <a:buNone/>
+            </a:pPr>
+            <a:r>
+              <a:rPr lang="en-US" altLang="zh-TW" sz="2000" dirty="0"/>
+              <a:t>Path: /users</a:t>
+            </a:r>
+            <a:r>
+              <a:rPr lang="en-US" altLang="zh-TW" sz="2000" dirty="0"/>
+              <a:t>/{</a:t>
+            </a:r>
+            <a:r>
+              <a:rPr lang="en-US" altLang="zh-TW" sz="2000" dirty="0" err="1"/>
+              <a:t>userId</a:t>
+            </a:r>
+            <a:r>
+              <a:rPr lang="en-US" altLang="zh-TW" sz="2000" dirty="0"/>
+              <a:t>}</a:t>
+            </a:r>
+          </a:p>
+          <a:p>
+            <a:pPr>
+              <a:lnSpc>
+                <a:spcPct val="110000"/>
+              </a:lnSpc>
+            </a:pPr>
+            <a:r>
+              <a:rPr lang="en-US" altLang="zh-TW" sz="2400" dirty="0" smtClean="0"/>
+              <a:t>Products</a:t>
+            </a:r>
+            <a:endParaRPr lang="en-US" altLang="zh-TW" sz="2400" dirty="0"/>
+          </a:p>
+          <a:p>
+            <a:pPr marL="457200" lvl="1" indent="0">
+              <a:lnSpc>
+                <a:spcPct val="110000"/>
+              </a:lnSpc>
+              <a:buNone/>
+            </a:pPr>
+            <a:r>
+              <a:rPr lang="en-US" altLang="zh-TW" sz="2000" dirty="0" smtClean="0"/>
+              <a:t>Path: /products</a:t>
+            </a:r>
+            <a:r>
+              <a:rPr lang="en-US" altLang="zh-TW" sz="2000" dirty="0"/>
+              <a:t>/{</a:t>
+            </a:r>
+            <a:r>
+              <a:rPr lang="en-US" altLang="zh-TW" sz="2000" dirty="0" err="1"/>
+              <a:t>productId</a:t>
+            </a:r>
+            <a:r>
+              <a:rPr lang="en-US" altLang="zh-TW" sz="2000" dirty="0" smtClean="0"/>
+              <a:t>}</a:t>
+            </a:r>
+            <a:endParaRPr lang="en-US" altLang="zh-TW" sz="2000" dirty="0"/>
+          </a:p>
+          <a:p>
+            <a:pPr>
+              <a:lnSpc>
+                <a:spcPct val="110000"/>
+              </a:lnSpc>
+            </a:pPr>
+            <a:r>
+              <a:rPr lang="en-US" altLang="zh-TW" sz="2400" dirty="0"/>
+              <a:t>Orders</a:t>
+            </a:r>
+          </a:p>
+          <a:p>
+            <a:pPr marL="457200" lvl="1" indent="0">
+              <a:lnSpc>
+                <a:spcPct val="110000"/>
+              </a:lnSpc>
+              <a:buNone/>
+            </a:pPr>
+            <a:r>
+              <a:rPr lang="en-US" altLang="zh-TW" sz="2000" dirty="0" smtClean="0"/>
+              <a:t>Path: /orders</a:t>
+            </a:r>
+            <a:r>
+              <a:rPr lang="en-US" altLang="zh-TW" sz="2000" dirty="0"/>
+              <a:t>/{</a:t>
+            </a:r>
+            <a:r>
+              <a:rPr lang="en-US" altLang="zh-TW" sz="2000" dirty="0" err="1"/>
+              <a:t>orderId</a:t>
+            </a:r>
+            <a:r>
+              <a:rPr lang="en-US" altLang="zh-TW" sz="2000" dirty="0" smtClean="0"/>
+              <a:t>}</a:t>
+            </a:r>
+          </a:p>
+          <a:p>
+            <a:pPr marL="457200" lvl="1" indent="0">
+              <a:spcBef>
+                <a:spcPts val="0"/>
+              </a:spcBef>
+              <a:buNone/>
+            </a:pPr>
             <a:r>
               <a:rPr lang="en-US" altLang="zh-TW" dirty="0"/>
-              <a:t>Users</a:t>
+              <a:t>	</a:t>
+            </a:r>
+            <a:r>
+              <a:rPr lang="en-US" altLang="zh-TW" dirty="0" smtClean="0"/>
+              <a:t>	.</a:t>
             </a:r>
           </a:p>
           <a:p>
             <a:pPr marL="457200" lvl="1" indent="0">
+              <a:spcBef>
+                <a:spcPts val="0"/>
+              </a:spcBef>
               <a:buNone/>
             </a:pPr>
             <a:r>
+              <a:rPr lang="en-US" altLang="zh-TW" dirty="0"/>
+              <a:t>	</a:t>
+            </a:r>
+            <a:r>
               <a:rPr lang="en-US" altLang="zh-TW" dirty="0" smtClean="0"/>
-              <a:t>Path: /users</a:t>
-            </a:r>
+              <a:t>	.</a:t>
+            </a:r>
+          </a:p>
+          <a:p>
+            <a:pPr marL="457200" lvl="1" indent="0">
+              <a:spcBef>
+                <a:spcPts val="0"/>
+              </a:spcBef>
+              <a:buNone/>
+            </a:pPr>
             <a:r>
               <a:rPr lang="en-US" altLang="zh-TW" dirty="0"/>
-              <a:t>/{</a:t>
-            </a:r>
-            <a:r>
-              <a:rPr lang="en-US" altLang="zh-TW" dirty="0" err="1"/>
-              <a:t>userId</a:t>
+              <a:t>	</a:t>
             </a:r>
             <a:r>
               <a:rPr lang="en-US" altLang="zh-TW" dirty="0" smtClean="0"/>
-              <a:t>}</a:t>
-            </a:r>
-          </a:p>
-          <a:p>
-            <a:pPr marL="457200" lvl="1" indent="0">
-              <a:buNone/>
-            </a:pPr>
+              <a:t>	.</a:t>
+            </a:r>
             <a:endParaRPr lang="en-US" altLang="zh-TW" dirty="0"/>
-          </a:p>
-          <a:p>
-            <a:r>
-              <a:rPr lang="en-US" altLang="zh-TW" dirty="0"/>
-              <a:t>Products</a:t>
-            </a:r>
-          </a:p>
-          <a:p>
-            <a:pPr marL="457200" lvl="1" indent="0">
-              <a:buNone/>
-            </a:pPr>
-            <a:r>
-              <a:rPr lang="en-US" altLang="zh-TW" dirty="0" smtClean="0"/>
-              <a:t>Path: /products</a:t>
-            </a:r>
-            <a:r>
-              <a:rPr lang="en-US" altLang="zh-TW" dirty="0"/>
-              <a:t>/{</a:t>
-            </a:r>
-            <a:r>
-              <a:rPr lang="en-US" altLang="zh-TW" dirty="0" err="1"/>
-              <a:t>productId</a:t>
-            </a:r>
-            <a:r>
-              <a:rPr lang="en-US" altLang="zh-TW" dirty="0" smtClean="0"/>
-              <a:t>}</a:t>
-            </a:r>
-          </a:p>
-          <a:p>
-            <a:pPr marL="457200" lvl="1" indent="0">
-              <a:buNone/>
-            </a:pPr>
-            <a:endParaRPr lang="en-US" altLang="zh-TW" dirty="0"/>
-          </a:p>
-          <a:p>
-            <a:r>
-              <a:rPr lang="en-US" altLang="zh-TW" dirty="0"/>
-              <a:t>Orders</a:t>
-            </a:r>
-          </a:p>
-          <a:p>
-            <a:pPr marL="457200" lvl="1" indent="0">
-              <a:buNone/>
-            </a:pPr>
-            <a:r>
-              <a:rPr lang="en-US" altLang="zh-TW" dirty="0" smtClean="0"/>
-              <a:t>Path: /orders</a:t>
-            </a:r>
-            <a:r>
-              <a:rPr lang="en-US" altLang="zh-TW" dirty="0"/>
-              <a:t>/{</a:t>
-            </a:r>
-            <a:r>
-              <a:rPr lang="en-US" altLang="zh-TW" dirty="0" err="1"/>
-              <a:t>orderId</a:t>
-            </a:r>
-            <a:r>
-              <a:rPr lang="en-US" altLang="zh-TW" dirty="0"/>
-              <a:t>}</a:t>
-            </a:r>
           </a:p>
         </p:txBody>
       </p:sp>
@@ -3862,8 +3919,8 @@
         </p:nvGrpSpPr>
         <p:grpSpPr>
           <a:xfrm>
-            <a:off x="9147016" y="2619065"/>
-            <a:ext cx="1905000" cy="3689370"/>
+            <a:off x="9476672" y="2668033"/>
+            <a:ext cx="1343742" cy="2931492"/>
             <a:chOff x="9147016" y="2619065"/>
             <a:chExt cx="1905000" cy="3689370"/>
           </a:xfrm>
@@ -4222,21 +4279,118 @@
           </a:p>
         </p:txBody>
       </p:sp>
+      <p:sp>
+        <p:nvSpPr>
+          <p:cNvPr id="7" name="文字方塊 6"/>
+          <p:cNvSpPr txBox="1"/>
+          <p:nvPr/>
+        </p:nvSpPr>
+        <p:spPr>
+          <a:xfrm>
+            <a:off x="9652425" y="5619187"/>
+            <a:ext cx="992236" cy="1200329"/>
+          </a:xfrm>
+          <a:prstGeom prst="rect">
+            <a:avLst/>
+          </a:prstGeom>
+          <a:noFill/>
+        </p:spPr>
+        <p:txBody>
+          <a:bodyPr wrap="square" rtlCol="0">
+            <a:spAutoFit/>
+          </a:bodyPr>
+          <a:lstStyle/>
+          <a:p>
+            <a:pPr lvl="1"/>
+            <a:r>
+              <a:rPr lang="en-US" altLang="zh-TW" dirty="0"/>
+              <a:t>.</a:t>
+            </a:r>
+          </a:p>
+          <a:p>
+            <a:pPr lvl="1"/>
+            <a:r>
+              <a:rPr lang="en-US" altLang="zh-TW" dirty="0" smtClean="0"/>
+              <a:t>.</a:t>
+            </a:r>
+            <a:endParaRPr lang="en-US" altLang="zh-TW" dirty="0"/>
+          </a:p>
+          <a:p>
+            <a:pPr lvl="1"/>
+            <a:r>
+              <a:rPr lang="en-US" altLang="zh-TW" dirty="0" smtClean="0"/>
+              <a:t>.</a:t>
+            </a:r>
+            <a:endParaRPr lang="en-US" altLang="zh-TW" dirty="0"/>
+          </a:p>
+          <a:p>
+            <a:endParaRPr lang="zh-TW" altLang="en-US" dirty="0"/>
+          </a:p>
+        </p:txBody>
+      </p:sp>
+      <p:sp>
+        <p:nvSpPr>
+          <p:cNvPr id="8" name="向右箭號 7"/>
+          <p:cNvSpPr/>
+          <p:nvPr/>
+        </p:nvSpPr>
+        <p:spPr>
+          <a:xfrm>
+            <a:off x="2589486" y="4255129"/>
+            <a:ext cx="1004935" cy="258074"/>
+          </a:xfrm>
+          <a:prstGeom prst="rightArrow">
+            <a:avLst/>
+          </a:prstGeom>
+          <a:solidFill>
+            <a:srgbClr val="00B0F0"/>
+          </a:solidFill>
+          <a:ln>
+            <a:solidFill>
+              <a:srgbClr val="00B0F0"/>
+            </a:solidFill>
+          </a:ln>
+        </p:spPr>
+        <p:style>
+          <a:lnRef idx="2">
+            <a:schemeClr val="accent1">
+              <a:shade val="50000"/>
+            </a:schemeClr>
+          </a:lnRef>
+          <a:fillRef idx="1">
+            <a:schemeClr val="accent1"/>
+          </a:fillRef>
+          <a:effectRef idx="0">
+            <a:schemeClr val="accent1"/>
+          </a:effectRef>
+          <a:fontRef idx="minor">
+            <a:schemeClr val="lt1"/>
+          </a:fontRef>
+        </p:style>
+        <p:txBody>
+          <a:bodyPr rtlCol="0" anchor="ctr"/>
+          <a:lstStyle/>
+          <a:p>
+            <a:pPr algn="ctr"/>
+            <a:endParaRPr lang="zh-TW" altLang="en-US"/>
+          </a:p>
+        </p:txBody>
+      </p:sp>
       <p:cxnSp>
         <p:nvCxnSpPr>
-          <p:cNvPr id="12" name="直線單箭頭接點 11"/>
+          <p:cNvPr id="14" name="直線單箭頭接點 13"/>
           <p:cNvCxnSpPr/>
           <p:nvPr/>
         </p:nvCxnSpPr>
         <p:spPr>
           <a:xfrm>
-            <a:off x="6308790" y="3020291"/>
-            <a:ext cx="3121537" cy="27709"/>
+            <a:off x="7034543" y="3133431"/>
+            <a:ext cx="2442129" cy="0"/>
           </a:xfrm>
           <a:prstGeom prst="straightConnector1">
             <a:avLst/>
           </a:prstGeom>
-          <a:ln w="28575">
+          <a:ln w="57150">
             <a:solidFill>
               <a:srgbClr val="00B0F0"/>
             </a:solidFill>
@@ -4260,19 +4414,19 @@
       </p:cxnSp>
       <p:cxnSp>
         <p:nvCxnSpPr>
-          <p:cNvPr id="18" name="直線單箭頭接點 17"/>
+          <p:cNvPr id="22" name="直線單箭頭接點 21"/>
           <p:cNvCxnSpPr/>
           <p:nvPr/>
         </p:nvCxnSpPr>
         <p:spPr>
           <a:xfrm>
-            <a:off x="6313410" y="4290290"/>
-            <a:ext cx="3121537" cy="27709"/>
+            <a:off x="7060195" y="3991998"/>
+            <a:ext cx="2442129" cy="0"/>
           </a:xfrm>
           <a:prstGeom prst="straightConnector1">
             <a:avLst/>
           </a:prstGeom>
-          <a:ln w="28575">
+          <a:ln w="57150">
             <a:solidFill>
               <a:srgbClr val="00B0F0"/>
             </a:solidFill>
@@ -4296,19 +4450,19 @@
       </p:cxnSp>
       <p:cxnSp>
         <p:nvCxnSpPr>
-          <p:cNvPr id="19" name="直線單箭頭接點 18"/>
+          <p:cNvPr id="23" name="直線單箭頭接點 22"/>
           <p:cNvCxnSpPr/>
           <p:nvPr/>
         </p:nvCxnSpPr>
         <p:spPr>
           <a:xfrm>
-            <a:off x="6313410" y="5500259"/>
-            <a:ext cx="3121537" cy="27709"/>
+            <a:off x="7060198" y="4969764"/>
+            <a:ext cx="2442129" cy="0"/>
           </a:xfrm>
           <a:prstGeom prst="straightConnector1">
             <a:avLst/>
           </a:prstGeom>
-          <a:ln w="28575">
+          <a:ln w="57150">
             <a:solidFill>
               <a:srgbClr val="00B0F0"/>
             </a:solidFill>
@@ -4519,13 +4673,7 @@
               <a:rPr lang="zh-TW" altLang="en-US" dirty="0" smtClean="0">
                 <a:ea typeface="DFKai-SB" panose="03000509000000000000" pitchFamily="49" charset="-120"/>
               </a:rPr>
-              <a:t>設計</a:t>
-            </a:r>
-            <a:r>
-              <a:rPr lang="zh-TW" altLang="en-US" dirty="0" smtClean="0">
-                <a:ea typeface="DFKai-SB" panose="03000509000000000000" pitchFamily="49" charset="-120"/>
-              </a:rPr>
-              <a:t>：</a:t>
+              <a:t>設計：</a:t>
             </a:r>
             <a:r>
               <a:rPr lang="en-US" altLang="zh-TW" dirty="0" smtClean="0">
@@ -4553,7 +4701,7 @@
       </p:sp>
       <p:pic>
         <p:nvPicPr>
-          <p:cNvPr id="5" name="圖片 4"/>
+          <p:cNvPr id="3" name="圖片 2"/>
           <p:cNvPicPr>
             <a:picLocks noChangeAspect="1"/>
           </p:cNvPicPr>
@@ -4567,13 +4715,42 @@
               </a:ext>
             </a:extLst>
           </a:blip>
-          <a:srcRect l="23937" t="8056" b="12222"/>
+          <a:srcRect l="1192" t="5811" b="25774"/>
           <a:stretch/>
         </p:blipFill>
         <p:spPr>
           <a:xfrm>
-            <a:off x="3333750" y="1333500"/>
-            <a:ext cx="6449101" cy="5467350"/>
+            <a:off x="968721" y="1828800"/>
+            <a:ext cx="6002287" cy="4689695"/>
+          </a:xfrm>
+          <a:prstGeom prst="rect">
+            <a:avLst/>
+          </a:prstGeom>
+        </p:spPr>
+      </p:pic>
+      <p:pic>
+        <p:nvPicPr>
+          <p:cNvPr id="6" name="圖片 5"/>
+          <p:cNvPicPr>
+            <a:picLocks noChangeAspect="1"/>
+          </p:cNvPicPr>
+          <p:nvPr/>
+        </p:nvPicPr>
+        <p:blipFill rotWithShape="1">
+          <a:blip r:embed="rId3">
+            <a:extLst>
+              <a:ext uri="{28A0092B-C50C-407E-A947-70E740481C1C}">
+                <a14:useLocalDpi xmlns:a14="http://schemas.microsoft.com/office/drawing/2010/main" val="0"/>
+              </a:ext>
+            </a:extLst>
+          </a:blip>
+          <a:srcRect l="25725" t="18218" r="27398" b="5346"/>
+          <a:stretch/>
+        </p:blipFill>
+        <p:spPr>
+          <a:xfrm>
+            <a:off x="7585609" y="2648139"/>
+            <a:ext cx="2934518" cy="3870356"/>
           </a:xfrm>
           <a:prstGeom prst="rect">
             <a:avLst/>
